--- a/slides/Chapter 6.pptx
+++ b/slides/Chapter 6.pptx
@@ -20,6 +20,17 @@
     <p:sldId id="267" r:id="rId14"/>
     <p:sldId id="268" r:id="rId15"/>
     <p:sldId id="270" r:id="rId16"/>
+    <p:sldId id="271" r:id="rId17"/>
+    <p:sldId id="272" r:id="rId18"/>
+    <p:sldId id="273" r:id="rId19"/>
+    <p:sldId id="274" r:id="rId20"/>
+    <p:sldId id="275" r:id="rId21"/>
+    <p:sldId id="276" r:id="rId22"/>
+    <p:sldId id="278" r:id="rId23"/>
+    <p:sldId id="277" r:id="rId24"/>
+    <p:sldId id="280" r:id="rId25"/>
+    <p:sldId id="279" r:id="rId26"/>
+    <p:sldId id="281" r:id="rId27"/>
   </p:sldIdLst>
   <p:sldSz cx="12192000" cy="6858000"/>
   <p:notesSz cx="6858000" cy="9144000"/>
@@ -3556,8 +3567,38 @@
           <a:p>
             <a:r>
               <a:rPr lang="en-US" dirty="0"/>
-              <a:t>Reichardt detector - </a:t>
-            </a:r>
+              <a:t>Reichardt detector – neurological system that detects a change in an object’s position looking for object placement</a:t>
+            </a:r>
+          </a:p>
+          <a:p>
+            <a:r>
+              <a:rPr lang="en-US" dirty="0"/>
+              <a:t>Object motion vs Observer Motion</a:t>
+            </a:r>
+          </a:p>
+          <a:p>
+            <a:pPr lvl="1"/>
+            <a:r>
+              <a:rPr lang="en-US" sz="2800" dirty="0"/>
+              <a:t>Saccadic suppression(Chapter 5.1) – the suppression of visual signals while moving</a:t>
+            </a:r>
+          </a:p>
+          <a:p>
+            <a:pPr lvl="1"/>
+            <a:r>
+              <a:rPr lang="en-US" sz="2800" dirty="0"/>
+              <a:t>Proprioception – the bodies’ knowledge of how it is moving based on motor commands including eye muscles</a:t>
+            </a:r>
+          </a:p>
+          <a:p>
+            <a:pPr lvl="1"/>
+            <a:r>
+              <a:rPr lang="en-US" sz="2800" dirty="0"/>
+              <a:t>Overall Scene movement compared to object’s moving</a:t>
+            </a:r>
+          </a:p>
+          <a:p>
+            <a:endParaRPr lang="en-US" dirty="0"/>
           </a:p>
         </p:txBody>
       </p:sp>
@@ -3565,6 +3606,542 @@
     <p:extLst>
       <p:ext uri="{BB962C8B-B14F-4D97-AF65-F5344CB8AC3E}">
         <p14:creationId xmlns:p14="http://schemas.microsoft.com/office/powerpoint/2010/main" val="2782872629"/>
+      </p:ext>
+    </p:extLst>
+  </p:cSld>
+  <p:clrMapOvr>
+    <a:masterClrMapping/>
+  </p:clrMapOvr>
+</p:sld>
+</file>
+
+<file path=ppt/slides/slide16.xml><?xml version="1.0" encoding="utf-8"?>
+<p:sld xmlns:a="http://schemas.openxmlformats.org/drawingml/2006/main" xmlns:r="http://schemas.openxmlformats.org/officeDocument/2006/relationships" xmlns:p="http://schemas.openxmlformats.org/presentationml/2006/main">
+  <p:cSld>
+    <p:spTree>
+      <p:nvGrpSpPr>
+        <p:cNvPr id="1" name=""/>
+        <p:cNvGrpSpPr/>
+        <p:nvPr/>
+      </p:nvGrpSpPr>
+      <p:grpSpPr>
+        <a:xfrm>
+          <a:off x="0" y="0"/>
+          <a:ext cx="0" cy="0"/>
+          <a:chOff x="0" y="0"/>
+          <a:chExt cx="0" cy="0"/>
+        </a:xfrm>
+      </p:grpSpPr>
+      <p:pic>
+        <p:nvPicPr>
+          <p:cNvPr id="4" name="Picture 3">
+            <a:extLst>
+              <a:ext uri="{FF2B5EF4-FFF2-40B4-BE49-F238E27FC236}">
+                <a16:creationId xmlns:a16="http://schemas.microsoft.com/office/drawing/2014/main" id="{58A1CF35-E316-4D1B-8A86-D70711A38264}"/>
+              </a:ext>
+            </a:extLst>
+          </p:cNvPr>
+          <p:cNvPicPr>
+            <a:picLocks noChangeAspect="1"/>
+          </p:cNvPicPr>
+          <p:nvPr/>
+        </p:nvPicPr>
+        <p:blipFill>
+          <a:blip r:embed="rId2"/>
+          <a:stretch>
+            <a:fillRect/>
+          </a:stretch>
+        </p:blipFill>
+        <p:spPr>
+          <a:xfrm>
+            <a:off x="-533400" y="1266825"/>
+            <a:ext cx="7732996" cy="3238500"/>
+          </a:xfrm>
+          <a:prstGeom prst="rect">
+            <a:avLst/>
+          </a:prstGeom>
+        </p:spPr>
+      </p:pic>
+      <p:sp>
+        <p:nvSpPr>
+          <p:cNvPr id="5" name="TextBox 4">
+            <a:extLst>
+              <a:ext uri="{FF2B5EF4-FFF2-40B4-BE49-F238E27FC236}">
+                <a16:creationId xmlns:a16="http://schemas.microsoft.com/office/drawing/2014/main" id="{095C4C49-7DF9-4E0E-9901-926F8F665366}"/>
+              </a:ext>
+            </a:extLst>
+          </p:cNvPr>
+          <p:cNvSpPr txBox="1"/>
+          <p:nvPr/>
+        </p:nvSpPr>
+        <p:spPr>
+          <a:xfrm>
+            <a:off x="-1" y="4809409"/>
+            <a:ext cx="6843128" cy="954107"/>
+          </a:xfrm>
+          <a:prstGeom prst="rect">
+            <a:avLst/>
+          </a:prstGeom>
+          <a:noFill/>
+        </p:spPr>
+        <p:txBody>
+          <a:bodyPr wrap="square" rtlCol="0">
+            <a:spAutoFit/>
+          </a:bodyPr>
+          <a:lstStyle/>
+          <a:p>
+            <a:r>
+              <a:rPr lang="en-US" sz="2800" dirty="0"/>
+              <a:t>All examples produce the same motion effect inside the circle</a:t>
+            </a:r>
+          </a:p>
+        </p:txBody>
+      </p:sp>
+      <p:pic>
+        <p:nvPicPr>
+          <p:cNvPr id="6" name="Picture 5">
+            <a:extLst>
+              <a:ext uri="{FF2B5EF4-FFF2-40B4-BE49-F238E27FC236}">
+                <a16:creationId xmlns:a16="http://schemas.microsoft.com/office/drawing/2014/main" id="{967684DC-07D0-49A9-A97E-4AF0C91EEBE7}"/>
+              </a:ext>
+            </a:extLst>
+          </p:cNvPr>
+          <p:cNvPicPr>
+            <a:picLocks noChangeAspect="1"/>
+          </p:cNvPicPr>
+          <p:nvPr/>
+        </p:nvPicPr>
+        <p:blipFill>
+          <a:blip r:embed="rId3"/>
+          <a:stretch>
+            <a:fillRect/>
+          </a:stretch>
+        </p:blipFill>
+        <p:spPr>
+          <a:xfrm>
+            <a:off x="6843127" y="1266825"/>
+            <a:ext cx="5348873" cy="3238500"/>
+          </a:xfrm>
+          <a:prstGeom prst="rect">
+            <a:avLst/>
+          </a:prstGeom>
+        </p:spPr>
+      </p:pic>
+      <p:sp>
+        <p:nvSpPr>
+          <p:cNvPr id="7" name="TextBox 6">
+            <a:extLst>
+              <a:ext uri="{FF2B5EF4-FFF2-40B4-BE49-F238E27FC236}">
+                <a16:creationId xmlns:a16="http://schemas.microsoft.com/office/drawing/2014/main" id="{87617BD0-5CC8-45E1-AC32-82620E1FBC99}"/>
+              </a:ext>
+            </a:extLst>
+          </p:cNvPr>
+          <p:cNvSpPr txBox="1"/>
+          <p:nvPr/>
+        </p:nvSpPr>
+        <p:spPr>
+          <a:xfrm>
+            <a:off x="377545" y="131743"/>
+            <a:ext cx="8773620" cy="830997"/>
+          </a:xfrm>
+          <a:prstGeom prst="rect">
+            <a:avLst/>
+          </a:prstGeom>
+          <a:noFill/>
+        </p:spPr>
+        <p:txBody>
+          <a:bodyPr wrap="none" rtlCol="0">
+            <a:spAutoFit/>
+          </a:bodyPr>
+          <a:lstStyle/>
+          <a:p>
+            <a:r>
+              <a:rPr lang="en-US" sz="4800" dirty="0">
+                <a:latin typeface="+mj-lt"/>
+              </a:rPr>
+              <a:t>Issues with the </a:t>
+            </a:r>
+            <a:r>
+              <a:rPr lang="en-US" sz="4400" dirty="0">
+                <a:latin typeface="+mj-lt"/>
+              </a:rPr>
+              <a:t>Reichardt</a:t>
+            </a:r>
+            <a:r>
+              <a:rPr lang="en-US" sz="4800" dirty="0">
+                <a:latin typeface="+mj-lt"/>
+              </a:rPr>
+              <a:t> Detector</a:t>
+            </a:r>
+          </a:p>
+        </p:txBody>
+      </p:sp>
+      <p:sp>
+        <p:nvSpPr>
+          <p:cNvPr id="8" name="TextBox 7">
+            <a:extLst>
+              <a:ext uri="{FF2B5EF4-FFF2-40B4-BE49-F238E27FC236}">
+                <a16:creationId xmlns:a16="http://schemas.microsoft.com/office/drawing/2014/main" id="{9A7A8C6C-83BA-45D4-BCE0-F15075C3F0DF}"/>
+              </a:ext>
+            </a:extLst>
+          </p:cNvPr>
+          <p:cNvSpPr txBox="1"/>
+          <p:nvPr/>
+        </p:nvSpPr>
+        <p:spPr>
+          <a:xfrm>
+            <a:off x="6843127" y="4809409"/>
+            <a:ext cx="5348873" cy="1384995"/>
+          </a:xfrm>
+          <a:prstGeom prst="rect">
+            <a:avLst/>
+          </a:prstGeom>
+          <a:noFill/>
+        </p:spPr>
+        <p:txBody>
+          <a:bodyPr wrap="square" rtlCol="0">
+            <a:spAutoFit/>
+          </a:bodyPr>
+          <a:lstStyle/>
+          <a:p>
+            <a:r>
+              <a:rPr lang="en-US" sz="2800" dirty="0"/>
+              <a:t>If the observer moves or the object moves the image on the retina produces the same effect</a:t>
+            </a:r>
+          </a:p>
+        </p:txBody>
+      </p:sp>
+    </p:spTree>
+    <p:extLst>
+      <p:ext uri="{BB962C8B-B14F-4D97-AF65-F5344CB8AC3E}">
+        <p14:creationId xmlns:p14="http://schemas.microsoft.com/office/powerpoint/2010/main" val="3724862354"/>
+      </p:ext>
+    </p:extLst>
+  </p:cSld>
+  <p:clrMapOvr>
+    <a:masterClrMapping/>
+  </p:clrMapOvr>
+</p:sld>
+</file>
+
+<file path=ppt/slides/slide17.xml><?xml version="1.0" encoding="utf-8"?>
+<p:sld xmlns:a="http://schemas.openxmlformats.org/drawingml/2006/main" xmlns:r="http://schemas.openxmlformats.org/officeDocument/2006/relationships" xmlns:p="http://schemas.openxmlformats.org/presentationml/2006/main">
+  <p:cSld>
+    <p:spTree>
+      <p:nvGrpSpPr>
+        <p:cNvPr id="1" name=""/>
+        <p:cNvGrpSpPr/>
+        <p:nvPr/>
+      </p:nvGrpSpPr>
+      <p:grpSpPr>
+        <a:xfrm>
+          <a:off x="0" y="0"/>
+          <a:ext cx="0" cy="0"/>
+          <a:chOff x="0" y="0"/>
+          <a:chExt cx="0" cy="0"/>
+        </a:xfrm>
+      </p:grpSpPr>
+      <p:sp>
+        <p:nvSpPr>
+          <p:cNvPr id="2" name="Title 1">
+            <a:extLst>
+              <a:ext uri="{FF2B5EF4-FFF2-40B4-BE49-F238E27FC236}">
+                <a16:creationId xmlns:a16="http://schemas.microsoft.com/office/drawing/2014/main" id="{B0BF953C-A6FA-441B-94B8-4975D25646F0}"/>
+              </a:ext>
+            </a:extLst>
+          </p:cNvPr>
+          <p:cNvSpPr>
+            <a:spLocks noGrp="1"/>
+          </p:cNvSpPr>
+          <p:nvPr>
+            <p:ph type="title"/>
+          </p:nvPr>
+        </p:nvSpPr>
+        <p:spPr/>
+        <p:txBody>
+          <a:bodyPr/>
+          <a:lstStyle/>
+          <a:p>
+            <a:r>
+              <a:rPr lang="en-US" dirty="0"/>
+              <a:t>Stroboscopic motion</a:t>
+            </a:r>
+          </a:p>
+        </p:txBody>
+      </p:sp>
+      <p:sp>
+        <p:nvSpPr>
+          <p:cNvPr id="3" name="Content Placeholder 2">
+            <a:extLst>
+              <a:ext uri="{FF2B5EF4-FFF2-40B4-BE49-F238E27FC236}">
+                <a16:creationId xmlns:a16="http://schemas.microsoft.com/office/drawing/2014/main" id="{90A7D5D8-166B-4DFA-B523-80A8BCFE928A}"/>
+              </a:ext>
+            </a:extLst>
+          </p:cNvPr>
+          <p:cNvSpPr>
+            <a:spLocks noGrp="1"/>
+          </p:cNvSpPr>
+          <p:nvPr>
+            <p:ph idx="1"/>
+          </p:nvPr>
+        </p:nvSpPr>
+        <p:spPr/>
+        <p:txBody>
+          <a:bodyPr/>
+          <a:lstStyle/>
+          <a:p>
+            <a:r>
+              <a:rPr lang="en-US" dirty="0"/>
+              <a:t>Stroboscopic / apparent motion – the effect of flashing different images to allude to movement</a:t>
+            </a:r>
+          </a:p>
+          <a:p>
+            <a:r>
+              <a:rPr lang="en-US" dirty="0"/>
+              <a:t>Zoetrope – a drum with slits opposing images on the inside that produces a stroboscopic motion picture when rotated.</a:t>
+            </a:r>
+          </a:p>
+          <a:p>
+            <a:r>
+              <a:rPr lang="en-US" dirty="0"/>
+              <a:t>Beta movement – cycling dots around 2fps images seem to pop over </a:t>
+            </a:r>
+          </a:p>
+          <a:p>
+            <a:r>
+              <a:rPr lang="en-US" dirty="0"/>
+              <a:t>Phi phenomena – cycling dots higher than 15fps dot seems to move through the pattern</a:t>
+            </a:r>
+          </a:p>
+        </p:txBody>
+      </p:sp>
+    </p:spTree>
+    <p:extLst>
+      <p:ext uri="{BB962C8B-B14F-4D97-AF65-F5344CB8AC3E}">
+        <p14:creationId xmlns:p14="http://schemas.microsoft.com/office/powerpoint/2010/main" val="62764092"/>
+      </p:ext>
+    </p:extLst>
+  </p:cSld>
+  <p:clrMapOvr>
+    <a:masterClrMapping/>
+  </p:clrMapOvr>
+</p:sld>
+</file>
+
+<file path=ppt/slides/slide18.xml><?xml version="1.0" encoding="utf-8"?>
+<p:sld xmlns:a="http://schemas.openxmlformats.org/drawingml/2006/main" xmlns:r="http://schemas.openxmlformats.org/officeDocument/2006/relationships" xmlns:p="http://schemas.openxmlformats.org/presentationml/2006/main">
+  <p:cSld>
+    <p:spTree>
+      <p:nvGrpSpPr>
+        <p:cNvPr id="1" name=""/>
+        <p:cNvGrpSpPr/>
+        <p:nvPr/>
+      </p:nvGrpSpPr>
+      <p:grpSpPr>
+        <a:xfrm>
+          <a:off x="0" y="0"/>
+          <a:ext cx="0" cy="0"/>
+          <a:chOff x="0" y="0"/>
+          <a:chExt cx="0" cy="0"/>
+        </a:xfrm>
+      </p:grpSpPr>
+      <p:sp>
+        <p:nvSpPr>
+          <p:cNvPr id="3" name="Content Placeholder 2">
+            <a:extLst>
+              <a:ext uri="{FF2B5EF4-FFF2-40B4-BE49-F238E27FC236}">
+                <a16:creationId xmlns:a16="http://schemas.microsoft.com/office/drawing/2014/main" id="{E25EE5A5-FBC9-49EB-94D3-F8E02DF9915A}"/>
+              </a:ext>
+            </a:extLst>
+          </p:cNvPr>
+          <p:cNvSpPr>
+            <a:spLocks noGrp="1"/>
+          </p:cNvSpPr>
+          <p:nvPr>
+            <p:ph idx="1"/>
+          </p:nvPr>
+        </p:nvSpPr>
+        <p:spPr/>
+        <p:txBody>
+          <a:bodyPr/>
+          <a:lstStyle/>
+          <a:p>
+            <a:r>
+              <a:rPr lang="en-US" dirty="0"/>
+              <a:t>See beta and phi movement example</a:t>
+            </a:r>
+          </a:p>
+        </p:txBody>
+      </p:sp>
+    </p:spTree>
+    <p:extLst>
+      <p:ext uri="{BB962C8B-B14F-4D97-AF65-F5344CB8AC3E}">
+        <p14:creationId xmlns:p14="http://schemas.microsoft.com/office/powerpoint/2010/main" val="604195916"/>
+      </p:ext>
+    </p:extLst>
+  </p:cSld>
+  <p:clrMapOvr>
+    <a:masterClrMapping/>
+  </p:clrMapOvr>
+</p:sld>
+</file>
+
+<file path=ppt/slides/slide19.xml><?xml version="1.0" encoding="utf-8"?>
+<p:sld xmlns:a="http://schemas.openxmlformats.org/drawingml/2006/main" xmlns:r="http://schemas.openxmlformats.org/officeDocument/2006/relationships" xmlns:p="http://schemas.openxmlformats.org/presentationml/2006/main">
+  <p:cSld>
+    <p:spTree>
+      <p:nvGrpSpPr>
+        <p:cNvPr id="1" name=""/>
+        <p:cNvGrpSpPr/>
+        <p:nvPr/>
+      </p:nvGrpSpPr>
+      <p:grpSpPr>
+        <a:xfrm>
+          <a:off x="0" y="0"/>
+          <a:ext cx="0" cy="0"/>
+          <a:chOff x="0" y="0"/>
+          <a:chExt cx="0" cy="0"/>
+        </a:xfrm>
+      </p:grpSpPr>
+      <p:sp>
+        <p:nvSpPr>
+          <p:cNvPr id="2" name="Title 1">
+            <a:extLst>
+              <a:ext uri="{FF2B5EF4-FFF2-40B4-BE49-F238E27FC236}">
+                <a16:creationId xmlns:a16="http://schemas.microsoft.com/office/drawing/2014/main" id="{57CD68BA-49D4-4213-8F3D-817CC38AF8C6}"/>
+              </a:ext>
+            </a:extLst>
+          </p:cNvPr>
+          <p:cNvSpPr>
+            <a:spLocks noGrp="1"/>
+          </p:cNvSpPr>
+          <p:nvPr>
+            <p:ph type="title"/>
+          </p:nvPr>
+        </p:nvSpPr>
+        <p:spPr/>
+        <p:txBody>
+          <a:bodyPr/>
+          <a:lstStyle/>
+          <a:p>
+            <a:r>
+              <a:rPr lang="en-US" dirty="0"/>
+              <a:t>Motion and Framerate</a:t>
+            </a:r>
+          </a:p>
+        </p:txBody>
+      </p:sp>
+      <p:sp>
+        <p:nvSpPr>
+          <p:cNvPr id="3" name="Content Placeholder 2">
+            <a:extLst>
+              <a:ext uri="{FF2B5EF4-FFF2-40B4-BE49-F238E27FC236}">
+                <a16:creationId xmlns:a16="http://schemas.microsoft.com/office/drawing/2014/main" id="{11A51C6C-652F-4FFD-B338-4E64776CFE6D}"/>
+              </a:ext>
+            </a:extLst>
+          </p:cNvPr>
+          <p:cNvSpPr>
+            <a:spLocks noGrp="1"/>
+          </p:cNvSpPr>
+          <p:nvPr>
+            <p:ph idx="1"/>
+          </p:nvPr>
+        </p:nvSpPr>
+        <p:spPr>
+          <a:xfrm>
+            <a:off x="838200" y="1463040"/>
+            <a:ext cx="10515600" cy="5394960"/>
+          </a:xfrm>
+        </p:spPr>
+        <p:txBody>
+          <a:bodyPr>
+            <a:normAutofit fontScale="92500" lnSpcReduction="20000"/>
+          </a:bodyPr>
+          <a:lstStyle/>
+          <a:p>
+            <a:r>
+              <a:rPr lang="en-US" dirty="0"/>
+              <a:t>2   Stroboscopic apparent motion starts</a:t>
+            </a:r>
+          </a:p>
+          <a:p>
+            <a:r>
+              <a:rPr lang="en-US" dirty="0"/>
+              <a:t>10 Ability to distinguish individual frames is lost</a:t>
+            </a:r>
+          </a:p>
+          <a:p>
+            <a:r>
+              <a:rPr lang="en-US" dirty="0"/>
+              <a:t>16 Old home movies; early silent films</a:t>
+            </a:r>
+          </a:p>
+          <a:p>
+            <a:r>
+              <a:rPr lang="en-US" dirty="0"/>
+              <a:t>24 Hollywood classic standard</a:t>
+            </a:r>
+          </a:p>
+          <a:p>
+            <a:r>
+              <a:rPr lang="en-US" dirty="0"/>
+              <a:t>25 PAL television before interlacing</a:t>
+            </a:r>
+          </a:p>
+          <a:p>
+            <a:r>
+              <a:rPr lang="en-US" dirty="0"/>
+              <a:t>30 NTSC television before interlacing</a:t>
+            </a:r>
+          </a:p>
+          <a:p>
+            <a:r>
+              <a:rPr lang="en-US" dirty="0"/>
+              <a:t>48 Two-blade shutter; proposed new Hollywood standard</a:t>
+            </a:r>
+          </a:p>
+          <a:p>
+            <a:r>
+              <a:rPr lang="en-US" dirty="0"/>
+              <a:t>50 Interlaced PAL television</a:t>
+            </a:r>
+          </a:p>
+          <a:p>
+            <a:r>
+              <a:rPr lang="en-US" dirty="0"/>
+              <a:t>60 Interlaced NTSC television; perceived flicker in some displays</a:t>
+            </a:r>
+          </a:p>
+          <a:p>
+            <a:r>
+              <a:rPr lang="en-US" dirty="0"/>
+              <a:t>72 Three-blade shutter; minimum CRT refresh rate for comfort</a:t>
+            </a:r>
+          </a:p>
+          <a:p>
+            <a:r>
+              <a:rPr lang="en-US" dirty="0"/>
+              <a:t>90 Modern VR headsets; no more discomfort from flicker</a:t>
+            </a:r>
+          </a:p>
+          <a:p>
+            <a:r>
+              <a:rPr lang="en-US" dirty="0"/>
+              <a:t>1000 Ability to see zipper effect for fast, blinking LED</a:t>
+            </a:r>
+          </a:p>
+          <a:p>
+            <a:r>
+              <a:rPr lang="en-US" dirty="0"/>
+              <a:t>5000 Cannot perceive zipper effect</a:t>
+            </a:r>
+          </a:p>
+        </p:txBody>
+      </p:sp>
+    </p:spTree>
+    <p:extLst>
+      <p:ext uri="{BB962C8B-B14F-4D97-AF65-F5344CB8AC3E}">
+        <p14:creationId xmlns:p14="http://schemas.microsoft.com/office/powerpoint/2010/main" val="3749809274"/>
       </p:ext>
     </p:extLst>
   </p:cSld>
@@ -3621,6 +4198,26 @@
               <a:rPr lang="en-US" dirty="0"/>
               <a:t>Perception of Depth</a:t>
             </a:r>
+            <a:br>
+              <a:rPr lang="en-US" dirty="0"/>
+            </a:br>
+            <a:br>
+              <a:rPr lang="en-US" dirty="0"/>
+            </a:br>
+            <a:r>
+              <a:rPr lang="en-US" dirty="0"/>
+              <a:t>Perception of Motion</a:t>
+            </a:r>
+            <a:br>
+              <a:rPr lang="en-US" dirty="0"/>
+            </a:br>
+            <a:br>
+              <a:rPr lang="en-US" dirty="0"/>
+            </a:br>
+            <a:r>
+              <a:rPr lang="en-US" dirty="0"/>
+              <a:t>Perception of Color</a:t>
+            </a:r>
           </a:p>
         </p:txBody>
       </p:sp>
@@ -3628,6 +4225,688 @@
     <p:extLst>
       <p:ext uri="{BB962C8B-B14F-4D97-AF65-F5344CB8AC3E}">
         <p14:creationId xmlns:p14="http://schemas.microsoft.com/office/powerpoint/2010/main" val="2620861133"/>
+      </p:ext>
+    </p:extLst>
+  </p:cSld>
+  <p:clrMapOvr>
+    <a:masterClrMapping/>
+  </p:clrMapOvr>
+</p:sld>
+</file>
+
+<file path=ppt/slides/slide20.xml><?xml version="1.0" encoding="utf-8"?>
+<p:sld xmlns:a="http://schemas.openxmlformats.org/drawingml/2006/main" xmlns:r="http://schemas.openxmlformats.org/officeDocument/2006/relationships" xmlns:p="http://schemas.openxmlformats.org/presentationml/2006/main">
+  <p:cSld>
+    <p:spTree>
+      <p:nvGrpSpPr>
+        <p:cNvPr id="1" name=""/>
+        <p:cNvGrpSpPr/>
+        <p:nvPr/>
+      </p:nvGrpSpPr>
+      <p:grpSpPr>
+        <a:xfrm>
+          <a:off x="0" y="0"/>
+          <a:ext cx="0" cy="0"/>
+          <a:chOff x="0" y="0"/>
+          <a:chExt cx="0" cy="0"/>
+        </a:xfrm>
+      </p:grpSpPr>
+      <p:sp>
+        <p:nvSpPr>
+          <p:cNvPr id="2" name="Title 1">
+            <a:extLst>
+              <a:ext uri="{FF2B5EF4-FFF2-40B4-BE49-F238E27FC236}">
+                <a16:creationId xmlns:a16="http://schemas.microsoft.com/office/drawing/2014/main" id="{9AEEAD19-15BA-45A0-A434-9D2448812F1C}"/>
+              </a:ext>
+            </a:extLst>
+          </p:cNvPr>
+          <p:cNvSpPr>
+            <a:spLocks noGrp="1"/>
+          </p:cNvSpPr>
+          <p:nvPr>
+            <p:ph type="title"/>
+          </p:nvPr>
+        </p:nvSpPr>
+        <p:spPr/>
+        <p:txBody>
+          <a:bodyPr/>
+          <a:lstStyle/>
+          <a:p>
+            <a:r>
+              <a:rPr lang="en-US" dirty="0"/>
+              <a:t>Zipper effect</a:t>
+            </a:r>
+          </a:p>
+        </p:txBody>
+      </p:sp>
+      <p:pic>
+        <p:nvPicPr>
+          <p:cNvPr id="4" name="Content Placeholder 3">
+            <a:extLst>
+              <a:ext uri="{FF2B5EF4-FFF2-40B4-BE49-F238E27FC236}">
+                <a16:creationId xmlns:a16="http://schemas.microsoft.com/office/drawing/2014/main" id="{D6810A47-ADD0-40A9-AE32-EEE997C97EC3}"/>
+              </a:ext>
+            </a:extLst>
+          </p:cNvPr>
+          <p:cNvPicPr>
+            <a:picLocks noGrp="1" noChangeAspect="1"/>
+          </p:cNvPicPr>
+          <p:nvPr>
+            <p:ph idx="1"/>
+          </p:nvPr>
+        </p:nvPicPr>
+        <p:blipFill>
+          <a:blip r:embed="rId2"/>
+          <a:stretch>
+            <a:fillRect/>
+          </a:stretch>
+        </p:blipFill>
+        <p:spPr>
+          <a:xfrm>
+            <a:off x="838200" y="1914939"/>
+            <a:ext cx="10515600" cy="4172709"/>
+          </a:xfrm>
+          <a:prstGeom prst="rect">
+            <a:avLst/>
+          </a:prstGeom>
+        </p:spPr>
+      </p:pic>
+    </p:spTree>
+    <p:extLst>
+      <p:ext uri="{BB962C8B-B14F-4D97-AF65-F5344CB8AC3E}">
+        <p14:creationId xmlns:p14="http://schemas.microsoft.com/office/powerpoint/2010/main" val="1871575429"/>
+      </p:ext>
+    </p:extLst>
+  </p:cSld>
+  <p:clrMapOvr>
+    <a:masterClrMapping/>
+  </p:clrMapOvr>
+</p:sld>
+</file>
+
+<file path=ppt/slides/slide21.xml><?xml version="1.0" encoding="utf-8"?>
+<p:sld xmlns:a="http://schemas.openxmlformats.org/drawingml/2006/main" xmlns:r="http://schemas.openxmlformats.org/officeDocument/2006/relationships" xmlns:p="http://schemas.openxmlformats.org/presentationml/2006/main">
+  <p:cSld>
+    <p:spTree>
+      <p:nvGrpSpPr>
+        <p:cNvPr id="1" name=""/>
+        <p:cNvGrpSpPr/>
+        <p:nvPr/>
+      </p:nvGrpSpPr>
+      <p:grpSpPr>
+        <a:xfrm>
+          <a:off x="0" y="0"/>
+          <a:ext cx="0" cy="0"/>
+          <a:chOff x="0" y="0"/>
+          <a:chExt cx="0" cy="0"/>
+        </a:xfrm>
+      </p:grpSpPr>
+      <p:sp>
+        <p:nvSpPr>
+          <p:cNvPr id="2" name="Title 1">
+            <a:extLst>
+              <a:ext uri="{FF2B5EF4-FFF2-40B4-BE49-F238E27FC236}">
+                <a16:creationId xmlns:a16="http://schemas.microsoft.com/office/drawing/2014/main" id="{4EA87E45-FCF0-4945-8F6A-D51BE9F8559E}"/>
+              </a:ext>
+            </a:extLst>
+          </p:cNvPr>
+          <p:cNvSpPr>
+            <a:spLocks noGrp="1"/>
+          </p:cNvSpPr>
+          <p:nvPr>
+            <p:ph type="title"/>
+          </p:nvPr>
+        </p:nvSpPr>
+        <p:spPr/>
+        <p:txBody>
+          <a:bodyPr/>
+          <a:lstStyle/>
+          <a:p>
+            <a:r>
+              <a:rPr lang="en-US" dirty="0"/>
+              <a:t>Effects in VR</a:t>
+            </a:r>
+          </a:p>
+        </p:txBody>
+      </p:sp>
+      <p:sp>
+        <p:nvSpPr>
+          <p:cNvPr id="3" name="Content Placeholder 2">
+            <a:extLst>
+              <a:ext uri="{FF2B5EF4-FFF2-40B4-BE49-F238E27FC236}">
+                <a16:creationId xmlns:a16="http://schemas.microsoft.com/office/drawing/2014/main" id="{8D595766-1083-4BE3-9866-B1C8BF3514AC}"/>
+              </a:ext>
+            </a:extLst>
+          </p:cNvPr>
+          <p:cNvSpPr>
+            <a:spLocks noGrp="1"/>
+          </p:cNvSpPr>
+          <p:nvPr>
+            <p:ph idx="1"/>
+          </p:nvPr>
+        </p:nvSpPr>
+        <p:spPr/>
+        <p:txBody>
+          <a:bodyPr/>
+          <a:lstStyle/>
+          <a:p>
+            <a:r>
+              <a:rPr lang="en-US" dirty="0"/>
+              <a:t>Low framerates can cause images appear to linger causing a stutter effect which can cause headaches </a:t>
+            </a:r>
+          </a:p>
+          <a:p>
+            <a:r>
+              <a:rPr lang="en-US" dirty="0"/>
+              <a:t>Framerates of 90fps or greater reduce or eliminate adverse effects for most people</a:t>
+            </a:r>
+          </a:p>
+        </p:txBody>
+      </p:sp>
+    </p:spTree>
+    <p:extLst>
+      <p:ext uri="{BB962C8B-B14F-4D97-AF65-F5344CB8AC3E}">
+        <p14:creationId xmlns:p14="http://schemas.microsoft.com/office/powerpoint/2010/main" val="1007389119"/>
+      </p:ext>
+    </p:extLst>
+  </p:cSld>
+  <p:clrMapOvr>
+    <a:masterClrMapping/>
+  </p:clrMapOvr>
+</p:sld>
+</file>
+
+<file path=ppt/slides/slide22.xml><?xml version="1.0" encoding="utf-8"?>
+<p:sld xmlns:a="http://schemas.openxmlformats.org/drawingml/2006/main" xmlns:r="http://schemas.openxmlformats.org/officeDocument/2006/relationships" xmlns:p="http://schemas.openxmlformats.org/presentationml/2006/main">
+  <p:cSld>
+    <p:spTree>
+      <p:nvGrpSpPr>
+        <p:cNvPr id="1" name=""/>
+        <p:cNvGrpSpPr/>
+        <p:nvPr/>
+      </p:nvGrpSpPr>
+      <p:grpSpPr>
+        <a:xfrm>
+          <a:off x="0" y="0"/>
+          <a:ext cx="0" cy="0"/>
+          <a:chOff x="0" y="0"/>
+          <a:chExt cx="0" cy="0"/>
+        </a:xfrm>
+      </p:grpSpPr>
+      <p:sp>
+        <p:nvSpPr>
+          <p:cNvPr id="2" name="Title 1">
+            <a:extLst>
+              <a:ext uri="{FF2B5EF4-FFF2-40B4-BE49-F238E27FC236}">
+                <a16:creationId xmlns:a16="http://schemas.microsoft.com/office/drawing/2014/main" id="{E42A48E0-039B-432C-A6F5-0F8577F81B1E}"/>
+              </a:ext>
+            </a:extLst>
+          </p:cNvPr>
+          <p:cNvSpPr>
+            <a:spLocks noGrp="1"/>
+          </p:cNvSpPr>
+          <p:nvPr>
+            <p:ph type="title"/>
+          </p:nvPr>
+        </p:nvSpPr>
+        <p:spPr>
+          <a:xfrm>
+            <a:off x="838200" y="0"/>
+            <a:ext cx="10515600" cy="6857999"/>
+          </a:xfrm>
+        </p:spPr>
+        <p:txBody>
+          <a:bodyPr/>
+          <a:lstStyle/>
+          <a:p>
+            <a:r>
+              <a:rPr lang="en-US" dirty="0"/>
+              <a:t>Perception of Color</a:t>
+            </a:r>
+          </a:p>
+        </p:txBody>
+      </p:sp>
+    </p:spTree>
+    <p:extLst>
+      <p:ext uri="{BB962C8B-B14F-4D97-AF65-F5344CB8AC3E}">
+        <p14:creationId xmlns:p14="http://schemas.microsoft.com/office/powerpoint/2010/main" val="158072967"/>
+      </p:ext>
+    </p:extLst>
+  </p:cSld>
+  <p:clrMapOvr>
+    <a:masterClrMapping/>
+  </p:clrMapOvr>
+</p:sld>
+</file>
+
+<file path=ppt/slides/slide23.xml><?xml version="1.0" encoding="utf-8"?>
+<p:sld xmlns:a="http://schemas.openxmlformats.org/drawingml/2006/main" xmlns:r="http://schemas.openxmlformats.org/officeDocument/2006/relationships" xmlns:p="http://schemas.openxmlformats.org/presentationml/2006/main">
+  <p:cSld>
+    <p:spTree>
+      <p:nvGrpSpPr>
+        <p:cNvPr id="1" name=""/>
+        <p:cNvGrpSpPr/>
+        <p:nvPr/>
+      </p:nvGrpSpPr>
+      <p:grpSpPr>
+        <a:xfrm>
+          <a:off x="0" y="0"/>
+          <a:ext cx="0" cy="0"/>
+          <a:chOff x="0" y="0"/>
+          <a:chExt cx="0" cy="0"/>
+        </a:xfrm>
+      </p:grpSpPr>
+      <p:pic>
+        <p:nvPicPr>
+          <p:cNvPr id="4" name="Picture 3">
+            <a:extLst>
+              <a:ext uri="{FF2B5EF4-FFF2-40B4-BE49-F238E27FC236}">
+                <a16:creationId xmlns:a16="http://schemas.microsoft.com/office/drawing/2014/main" id="{9063F64E-A476-4D82-A2AE-EEE5BF2FF2C9}"/>
+              </a:ext>
+            </a:extLst>
+          </p:cNvPr>
+          <p:cNvPicPr>
+            <a:picLocks noChangeAspect="1"/>
+          </p:cNvPicPr>
+          <p:nvPr/>
+        </p:nvPicPr>
+        <p:blipFill>
+          <a:blip r:embed="rId2"/>
+          <a:stretch>
+            <a:fillRect/>
+          </a:stretch>
+        </p:blipFill>
+        <p:spPr>
+          <a:xfrm>
+            <a:off x="6983610" y="0"/>
+            <a:ext cx="5208390" cy="6872925"/>
+          </a:xfrm>
+          <a:prstGeom prst="rect">
+            <a:avLst/>
+          </a:prstGeom>
+        </p:spPr>
+      </p:pic>
+      <p:sp>
+        <p:nvSpPr>
+          <p:cNvPr id="5" name="TextBox 4">
+            <a:extLst>
+              <a:ext uri="{FF2B5EF4-FFF2-40B4-BE49-F238E27FC236}">
+                <a16:creationId xmlns:a16="http://schemas.microsoft.com/office/drawing/2014/main" id="{03EE0809-9584-4C99-9D5F-A485A5BD167C}"/>
+              </a:ext>
+            </a:extLst>
+          </p:cNvPr>
+          <p:cNvSpPr txBox="1"/>
+          <p:nvPr/>
+        </p:nvSpPr>
+        <p:spPr>
+          <a:xfrm>
+            <a:off x="1728274" y="1485900"/>
+            <a:ext cx="2887650" cy="3539430"/>
+          </a:xfrm>
+          <a:prstGeom prst="rect">
+            <a:avLst/>
+          </a:prstGeom>
+          <a:noFill/>
+        </p:spPr>
+        <p:txBody>
+          <a:bodyPr wrap="none" rtlCol="0">
+            <a:spAutoFit/>
+          </a:bodyPr>
+          <a:lstStyle/>
+          <a:p>
+            <a:pPr algn="ctr"/>
+            <a:r>
+              <a:rPr lang="en-US" sz="2800" dirty="0"/>
+              <a:t>Cecilia Bleasdale</a:t>
+            </a:r>
+          </a:p>
+          <a:p>
+            <a:pPr algn="ctr"/>
+            <a:r>
+              <a:rPr lang="en-US" sz="2800" dirty="0"/>
+              <a:t>dress color illusion</a:t>
+            </a:r>
+          </a:p>
+          <a:p>
+            <a:pPr algn="ctr"/>
+            <a:endParaRPr lang="en-US" sz="2800" dirty="0"/>
+          </a:p>
+          <a:p>
+            <a:pPr algn="ctr"/>
+            <a:r>
+              <a:rPr lang="en-US" sz="2800" dirty="0"/>
+              <a:t>Blue and black</a:t>
+            </a:r>
+          </a:p>
+          <a:p>
+            <a:pPr algn="ctr"/>
+            <a:endParaRPr lang="en-US" sz="2800" dirty="0"/>
+          </a:p>
+          <a:p>
+            <a:pPr algn="ctr"/>
+            <a:r>
+              <a:rPr lang="en-US" sz="2800" dirty="0"/>
+              <a:t>Or</a:t>
+            </a:r>
+          </a:p>
+          <a:p>
+            <a:pPr algn="ctr"/>
+            <a:endParaRPr lang="en-US" sz="2800" dirty="0"/>
+          </a:p>
+          <a:p>
+            <a:pPr algn="ctr"/>
+            <a:r>
+              <a:rPr lang="en-US" sz="2800" dirty="0"/>
+              <a:t>White and gold</a:t>
+            </a:r>
+          </a:p>
+        </p:txBody>
+      </p:sp>
+    </p:spTree>
+    <p:extLst>
+      <p:ext uri="{BB962C8B-B14F-4D97-AF65-F5344CB8AC3E}">
+        <p14:creationId xmlns:p14="http://schemas.microsoft.com/office/powerpoint/2010/main" val="3744759857"/>
+      </p:ext>
+    </p:extLst>
+  </p:cSld>
+  <p:clrMapOvr>
+    <a:masterClrMapping/>
+  </p:clrMapOvr>
+</p:sld>
+</file>
+
+<file path=ppt/slides/slide24.xml><?xml version="1.0" encoding="utf-8"?>
+<p:sld xmlns:a="http://schemas.openxmlformats.org/drawingml/2006/main" xmlns:r="http://schemas.openxmlformats.org/officeDocument/2006/relationships" xmlns:p="http://schemas.openxmlformats.org/presentationml/2006/main">
+  <p:cSld>
+    <p:spTree>
+      <p:nvGrpSpPr>
+        <p:cNvPr id="1" name=""/>
+        <p:cNvGrpSpPr/>
+        <p:nvPr/>
+      </p:nvGrpSpPr>
+      <p:grpSpPr>
+        <a:xfrm>
+          <a:off x="0" y="0"/>
+          <a:ext cx="0" cy="0"/>
+          <a:chOff x="0" y="0"/>
+          <a:chExt cx="0" cy="0"/>
+        </a:xfrm>
+      </p:grpSpPr>
+      <p:sp>
+        <p:nvSpPr>
+          <p:cNvPr id="2" name="Title 1">
+            <a:extLst>
+              <a:ext uri="{FF2B5EF4-FFF2-40B4-BE49-F238E27FC236}">
+                <a16:creationId xmlns:a16="http://schemas.microsoft.com/office/drawing/2014/main" id="{4BA9C15F-A457-41C2-B02A-FAD60548654E}"/>
+              </a:ext>
+            </a:extLst>
+          </p:cNvPr>
+          <p:cNvSpPr>
+            <a:spLocks noGrp="1"/>
+          </p:cNvSpPr>
+          <p:nvPr>
+            <p:ph type="title"/>
+          </p:nvPr>
+        </p:nvSpPr>
+        <p:spPr/>
+        <p:txBody>
+          <a:bodyPr/>
+          <a:lstStyle/>
+          <a:p>
+            <a:r>
+              <a:rPr lang="en-US" dirty="0"/>
+              <a:t>Understanding Color</a:t>
+            </a:r>
+          </a:p>
+        </p:txBody>
+      </p:sp>
+      <p:sp>
+        <p:nvSpPr>
+          <p:cNvPr id="3" name="Content Placeholder 2">
+            <a:extLst>
+              <a:ext uri="{FF2B5EF4-FFF2-40B4-BE49-F238E27FC236}">
+                <a16:creationId xmlns:a16="http://schemas.microsoft.com/office/drawing/2014/main" id="{55322032-FDB8-4D8E-B989-198C29A514BF}"/>
+              </a:ext>
+            </a:extLst>
+          </p:cNvPr>
+          <p:cNvSpPr>
+            <a:spLocks noGrp="1"/>
+          </p:cNvSpPr>
+          <p:nvPr>
+            <p:ph idx="1"/>
+          </p:nvPr>
+        </p:nvSpPr>
+        <p:spPr/>
+        <p:txBody>
+          <a:bodyPr/>
+          <a:lstStyle/>
+          <a:p>
+            <a:r>
+              <a:rPr lang="en-US" dirty="0"/>
+              <a:t>Dimensionality reduction – converting infinite dimensional </a:t>
+            </a:r>
+            <a:br>
+              <a:rPr lang="en-US" dirty="0"/>
+            </a:br>
+            <a:r>
+              <a:rPr lang="en-US" dirty="0"/>
+              <a:t>color-space to a 3dimensional color-space the eye understands</a:t>
+            </a:r>
+          </a:p>
+          <a:p>
+            <a:r>
+              <a:rPr lang="en-US" dirty="0"/>
+              <a:t>Color space – A set of coordinates that specify a color</a:t>
+            </a:r>
+          </a:p>
+          <a:p>
+            <a:r>
+              <a:rPr lang="en-US" dirty="0"/>
+              <a:t>Mixing color – mixing 2 colors will take the weighted average of the distance between them based on the potency</a:t>
+            </a:r>
+          </a:p>
+          <a:p>
+            <a:r>
+              <a:rPr lang="en-US" dirty="0"/>
+              <a:t>Constancy – The reason for the dress illusion based on chromatic adjustment due to lighting adjustment.</a:t>
+            </a:r>
+          </a:p>
+          <a:p>
+            <a:endParaRPr lang="en-US" dirty="0"/>
+          </a:p>
+        </p:txBody>
+      </p:sp>
+    </p:spTree>
+    <p:extLst>
+      <p:ext uri="{BB962C8B-B14F-4D97-AF65-F5344CB8AC3E}">
+        <p14:creationId xmlns:p14="http://schemas.microsoft.com/office/powerpoint/2010/main" val="1111017214"/>
+      </p:ext>
+    </p:extLst>
+  </p:cSld>
+  <p:clrMapOvr>
+    <a:masterClrMapping/>
+  </p:clrMapOvr>
+</p:sld>
+</file>
+
+<file path=ppt/slides/slide25.xml><?xml version="1.0" encoding="utf-8"?>
+<p:sld xmlns:a="http://schemas.openxmlformats.org/drawingml/2006/main" xmlns:r="http://schemas.openxmlformats.org/officeDocument/2006/relationships" xmlns:p="http://schemas.openxmlformats.org/presentationml/2006/main">
+  <p:cSld>
+    <p:spTree>
+      <p:nvGrpSpPr>
+        <p:cNvPr id="1" name=""/>
+        <p:cNvGrpSpPr/>
+        <p:nvPr/>
+      </p:nvGrpSpPr>
+      <p:grpSpPr>
+        <a:xfrm>
+          <a:off x="0" y="0"/>
+          <a:ext cx="0" cy="0"/>
+          <a:chOff x="0" y="0"/>
+          <a:chExt cx="0" cy="0"/>
+        </a:xfrm>
+      </p:grpSpPr>
+      <p:pic>
+        <p:nvPicPr>
+          <p:cNvPr id="4" name="Picture 3">
+            <a:extLst>
+              <a:ext uri="{FF2B5EF4-FFF2-40B4-BE49-F238E27FC236}">
+                <a16:creationId xmlns:a16="http://schemas.microsoft.com/office/drawing/2014/main" id="{0705387A-2F52-4E62-B60A-7D2151EA382D}"/>
+              </a:ext>
+            </a:extLst>
+          </p:cNvPr>
+          <p:cNvPicPr>
+            <a:picLocks noChangeAspect="1"/>
+          </p:cNvPicPr>
+          <p:nvPr/>
+        </p:nvPicPr>
+        <p:blipFill>
+          <a:blip r:embed="rId2"/>
+          <a:stretch>
+            <a:fillRect/>
+          </a:stretch>
+        </p:blipFill>
+        <p:spPr>
+          <a:xfrm>
+            <a:off x="0" y="0"/>
+            <a:ext cx="5519252" cy="5092505"/>
+          </a:xfrm>
+          <a:prstGeom prst="rect">
+            <a:avLst/>
+          </a:prstGeom>
+        </p:spPr>
+      </p:pic>
+      <p:pic>
+        <p:nvPicPr>
+          <p:cNvPr id="7" name="Picture 6">
+            <a:extLst>
+              <a:ext uri="{FF2B5EF4-FFF2-40B4-BE49-F238E27FC236}">
+                <a16:creationId xmlns:a16="http://schemas.microsoft.com/office/drawing/2014/main" id="{837D1688-612C-4EEC-B5AD-2BEA014F5794}"/>
+              </a:ext>
+            </a:extLst>
+          </p:cNvPr>
+          <p:cNvPicPr>
+            <a:picLocks noChangeAspect="1"/>
+          </p:cNvPicPr>
+          <p:nvPr/>
+        </p:nvPicPr>
+        <p:blipFill>
+          <a:blip r:embed="rId3"/>
+          <a:stretch>
+            <a:fillRect/>
+          </a:stretch>
+        </p:blipFill>
+        <p:spPr>
+          <a:xfrm>
+            <a:off x="5519252" y="0"/>
+            <a:ext cx="6651436" cy="5092505"/>
+          </a:xfrm>
+          <a:prstGeom prst="rect">
+            <a:avLst/>
+          </a:prstGeom>
+        </p:spPr>
+      </p:pic>
+    </p:spTree>
+    <p:extLst>
+      <p:ext uri="{BB962C8B-B14F-4D97-AF65-F5344CB8AC3E}">
+        <p14:creationId xmlns:p14="http://schemas.microsoft.com/office/powerpoint/2010/main" val="3645215277"/>
+      </p:ext>
+    </p:extLst>
+  </p:cSld>
+  <p:clrMapOvr>
+    <a:masterClrMapping/>
+  </p:clrMapOvr>
+</p:sld>
+</file>
+
+<file path=ppt/slides/slide26.xml><?xml version="1.0" encoding="utf-8"?>
+<p:sld xmlns:a="http://schemas.openxmlformats.org/drawingml/2006/main" xmlns:r="http://schemas.openxmlformats.org/officeDocument/2006/relationships" xmlns:p="http://schemas.openxmlformats.org/presentationml/2006/main">
+  <p:cSld>
+    <p:spTree>
+      <p:nvGrpSpPr>
+        <p:cNvPr id="1" name=""/>
+        <p:cNvGrpSpPr/>
+        <p:nvPr/>
+      </p:nvGrpSpPr>
+      <p:grpSpPr>
+        <a:xfrm>
+          <a:off x="0" y="0"/>
+          <a:ext cx="0" cy="0"/>
+          <a:chOff x="0" y="0"/>
+          <a:chExt cx="0" cy="0"/>
+        </a:xfrm>
+      </p:grpSpPr>
+      <p:sp>
+        <p:nvSpPr>
+          <p:cNvPr id="2" name="Title 1">
+            <a:extLst>
+              <a:ext uri="{FF2B5EF4-FFF2-40B4-BE49-F238E27FC236}">
+                <a16:creationId xmlns:a16="http://schemas.microsoft.com/office/drawing/2014/main" id="{BD1A0EC8-3916-43DA-BD93-381F285D3D06}"/>
+              </a:ext>
+            </a:extLst>
+          </p:cNvPr>
+          <p:cNvSpPr>
+            <a:spLocks noGrp="1"/>
+          </p:cNvSpPr>
+          <p:nvPr>
+            <p:ph type="title"/>
+          </p:nvPr>
+        </p:nvSpPr>
+        <p:spPr/>
+        <p:txBody>
+          <a:bodyPr/>
+          <a:lstStyle/>
+          <a:p>
+            <a:r>
+              <a:rPr lang="en-US" dirty="0"/>
+              <a:t>Display issues</a:t>
+            </a:r>
+          </a:p>
+        </p:txBody>
+      </p:sp>
+      <p:sp>
+        <p:nvSpPr>
+          <p:cNvPr id="3" name="Content Placeholder 2">
+            <a:extLst>
+              <a:ext uri="{FF2B5EF4-FFF2-40B4-BE49-F238E27FC236}">
+                <a16:creationId xmlns:a16="http://schemas.microsoft.com/office/drawing/2014/main" id="{70700D9D-5546-48B6-9AAB-1F403E69D3C2}"/>
+              </a:ext>
+            </a:extLst>
+          </p:cNvPr>
+          <p:cNvSpPr>
+            <a:spLocks noGrp="1"/>
+          </p:cNvSpPr>
+          <p:nvPr>
+            <p:ph idx="1"/>
+          </p:nvPr>
+        </p:nvSpPr>
+        <p:spPr/>
+        <p:txBody>
+          <a:bodyPr/>
+          <a:lstStyle/>
+          <a:p>
+            <a:r>
+              <a:rPr lang="en-US" dirty="0"/>
+              <a:t>Digital displays typically use the RGB color space with 256 brightness level for each color</a:t>
+            </a:r>
+          </a:p>
+          <a:p>
+            <a:r>
+              <a:rPr lang="en-US" dirty="0"/>
+              <a:t>Humans perceive 7magnitudes of brightness difference and that’s not achievable by </a:t>
+            </a:r>
+            <a:r>
+              <a:rPr lang="en-US"/>
+              <a:t>most displays.</a:t>
+            </a:r>
+            <a:endParaRPr lang="en-US" dirty="0"/>
+          </a:p>
+        </p:txBody>
+      </p:sp>
+    </p:spTree>
+    <p:extLst>
+      <p:ext uri="{BB962C8B-B14F-4D97-AF65-F5344CB8AC3E}">
+        <p14:creationId xmlns:p14="http://schemas.microsoft.com/office/powerpoint/2010/main" val="292704962"/>
       </p:ext>
     </p:extLst>
   </p:cSld>
@@ -4484,10 +5763,10 @@
   <a:themeElements>
     <a:clrScheme name="Office Theme">
       <a:dk1>
-        <a:sysClr val="windowText" lastClr="000000"/>
+        <a:sysClr val="windowText" lastClr="FFFFFF"/>
       </a:dk1>
       <a:lt1>
-        <a:sysClr val="window" lastClr="FFFFFF"/>
+        <a:sysClr val="window" lastClr="000000"/>
       </a:lt1>
       <a:dk2>
         <a:srgbClr val="44546A"/>

--- a/slides/Chapter 6.pptx
+++ b/slides/Chapter 6.pptx
@@ -9,8 +9,8 @@
     <p:sldId id="269" r:id="rId3"/>
     <p:sldId id="257" r:id="rId4"/>
     <p:sldId id="258" r:id="rId5"/>
-    <p:sldId id="259" r:id="rId6"/>
-    <p:sldId id="260" r:id="rId7"/>
+    <p:sldId id="260" r:id="rId6"/>
+    <p:sldId id="259" r:id="rId7"/>
     <p:sldId id="261" r:id="rId8"/>
     <p:sldId id="262" r:id="rId9"/>
     <p:sldId id="263" r:id="rId10"/>
@@ -31,6 +31,7 @@
     <p:sldId id="280" r:id="rId25"/>
     <p:sldId id="279" r:id="rId26"/>
     <p:sldId id="281" r:id="rId27"/>
+    <p:sldId id="282" r:id="rId28"/>
   </p:sldIdLst>
   <p:sldSz cx="12192000" cy="6858000"/>
   <p:notesSz cx="6858000" cy="9144000"/>
@@ -4893,13 +4894,8 @@
           <a:p>
             <a:r>
               <a:rPr lang="en-US" dirty="0"/>
-              <a:t>Humans perceive 7magnitudes of brightness difference and that’s not achievable by </a:t>
-            </a:r>
-            <a:r>
-              <a:rPr lang="en-US"/>
-              <a:t>most displays.</a:t>
-            </a:r>
-            <a:endParaRPr lang="en-US" dirty="0"/>
+              <a:t>Humans perceive 7magnitudes of brightness difference and that’s not achievable by most displays.</a:t>
+            </a:r>
           </a:p>
         </p:txBody>
       </p:sp>
@@ -4907,6 +4903,92 @@
     <p:extLst>
       <p:ext uri="{BB962C8B-B14F-4D97-AF65-F5344CB8AC3E}">
         <p14:creationId xmlns:p14="http://schemas.microsoft.com/office/powerpoint/2010/main" val="292704962"/>
+      </p:ext>
+    </p:extLst>
+  </p:cSld>
+  <p:clrMapOvr>
+    <a:masterClrMapping/>
+  </p:clrMapOvr>
+</p:sld>
+</file>
+
+<file path=ppt/slides/slide27.xml><?xml version="1.0" encoding="utf-8"?>
+<p:sld xmlns:a="http://schemas.openxmlformats.org/drawingml/2006/main" xmlns:r="http://schemas.openxmlformats.org/officeDocument/2006/relationships" xmlns:p="http://schemas.openxmlformats.org/presentationml/2006/main">
+  <p:cSld>
+    <p:spTree>
+      <p:nvGrpSpPr>
+        <p:cNvPr id="1" name=""/>
+        <p:cNvGrpSpPr/>
+        <p:nvPr/>
+      </p:nvGrpSpPr>
+      <p:grpSpPr>
+        <a:xfrm>
+          <a:off x="0" y="0"/>
+          <a:ext cx="0" cy="0"/>
+          <a:chOff x="0" y="0"/>
+          <a:chExt cx="0" cy="0"/>
+        </a:xfrm>
+      </p:grpSpPr>
+      <p:sp>
+        <p:nvSpPr>
+          <p:cNvPr id="2" name="Title 1">
+            <a:extLst>
+              <a:ext uri="{FF2B5EF4-FFF2-40B4-BE49-F238E27FC236}">
+                <a16:creationId xmlns:a16="http://schemas.microsoft.com/office/drawing/2014/main" id="{87A47D4A-0DBC-401E-924A-89DA2D8F4609}"/>
+              </a:ext>
+            </a:extLst>
+          </p:cNvPr>
+          <p:cNvSpPr>
+            <a:spLocks noGrp="1"/>
+          </p:cNvSpPr>
+          <p:nvPr>
+            <p:ph type="title"/>
+          </p:nvPr>
+        </p:nvSpPr>
+        <p:spPr/>
+        <p:txBody>
+          <a:bodyPr/>
+          <a:lstStyle/>
+          <a:p>
+            <a:r>
+              <a:rPr lang="en-US" dirty="0"/>
+              <a:t>Combining sources of information</a:t>
+            </a:r>
+          </a:p>
+        </p:txBody>
+      </p:sp>
+      <p:sp>
+        <p:nvSpPr>
+          <p:cNvPr id="3" name="Content Placeholder 2">
+            <a:extLst>
+              <a:ext uri="{FF2B5EF4-FFF2-40B4-BE49-F238E27FC236}">
+                <a16:creationId xmlns:a16="http://schemas.microsoft.com/office/drawing/2014/main" id="{A7E4453F-A66E-497F-8C44-5993740FDA04}"/>
+              </a:ext>
+            </a:extLst>
+          </p:cNvPr>
+          <p:cNvSpPr>
+            <a:spLocks noGrp="1"/>
+          </p:cNvSpPr>
+          <p:nvPr>
+            <p:ph idx="1"/>
+          </p:nvPr>
+        </p:nvSpPr>
+        <p:spPr/>
+        <p:txBody>
+          <a:bodyPr/>
+          <a:lstStyle/>
+          <a:p>
+            <a:r>
+              <a:rPr lang="en-US" dirty="0"/>
+              <a:t>Using probability to determine the truth based on multiple inputs </a:t>
+            </a:r>
+          </a:p>
+        </p:txBody>
+      </p:sp>
+    </p:spTree>
+    <p:extLst>
+      <p:ext uri="{BB962C8B-B14F-4D97-AF65-F5344CB8AC3E}">
+        <p14:creationId xmlns:p14="http://schemas.microsoft.com/office/powerpoint/2010/main" val="594467791"/>
       </p:ext>
     </p:extLst>
   </p:cSld>
@@ -5143,6 +5225,104 @@
           <p:cNvPr id="2" name="Title 1">
             <a:extLst>
               <a:ext uri="{FF2B5EF4-FFF2-40B4-BE49-F238E27FC236}">
+                <a16:creationId xmlns:a16="http://schemas.microsoft.com/office/drawing/2014/main" id="{E75DE818-2EB6-4D38-BBB5-3DB3E78ADAE6}"/>
+              </a:ext>
+            </a:extLst>
+          </p:cNvPr>
+          <p:cNvSpPr>
+            <a:spLocks noGrp="1"/>
+          </p:cNvSpPr>
+          <p:nvPr>
+            <p:ph type="title"/>
+          </p:nvPr>
+        </p:nvSpPr>
+        <p:spPr/>
+        <p:txBody>
+          <a:bodyPr/>
+          <a:lstStyle/>
+          <a:p>
+            <a:r>
+              <a:rPr lang="en-US" dirty="0"/>
+              <a:t>Monocular perception</a:t>
+            </a:r>
+          </a:p>
+        </p:txBody>
+      </p:sp>
+      <p:sp>
+        <p:nvSpPr>
+          <p:cNvPr id="3" name="Content Placeholder 2">
+            <a:extLst>
+              <a:ext uri="{FF2B5EF4-FFF2-40B4-BE49-F238E27FC236}">
+                <a16:creationId xmlns:a16="http://schemas.microsoft.com/office/drawing/2014/main" id="{467A66D3-EA75-4F89-8B32-A4DFF6BB873B}"/>
+              </a:ext>
+            </a:extLst>
+          </p:cNvPr>
+          <p:cNvSpPr>
+            <a:spLocks noGrp="1"/>
+          </p:cNvSpPr>
+          <p:nvPr>
+            <p:ph idx="1"/>
+          </p:nvPr>
+        </p:nvSpPr>
+        <p:spPr/>
+        <p:txBody>
+          <a:bodyPr/>
+          <a:lstStyle/>
+          <a:p>
+            <a:r>
+              <a:rPr lang="en-US" dirty="0"/>
+              <a:t>In principal it works by comparing relative objects visible size based on some known or assumed size</a:t>
+            </a:r>
+          </a:p>
+          <a:p>
+            <a:r>
+              <a:rPr lang="en-US" dirty="0"/>
+              <a:t>The closer an object the larger it is on the retina</a:t>
+            </a:r>
+          </a:p>
+          <a:p>
+            <a:r>
+              <a:rPr lang="en-US" dirty="0"/>
+              <a:t>Shape and texture are additional cues</a:t>
+            </a:r>
+          </a:p>
+        </p:txBody>
+      </p:sp>
+    </p:spTree>
+    <p:extLst>
+      <p:ext uri="{BB962C8B-B14F-4D97-AF65-F5344CB8AC3E}">
+        <p14:creationId xmlns:p14="http://schemas.microsoft.com/office/powerpoint/2010/main" val="1588635007"/>
+      </p:ext>
+    </p:extLst>
+  </p:cSld>
+  <p:clrMapOvr>
+    <a:masterClrMapping/>
+  </p:clrMapOvr>
+</p:sld>
+</file>
+
+<file path=ppt/slides/slide6.xml><?xml version="1.0" encoding="utf-8"?>
+<p:sld xmlns:a="http://schemas.openxmlformats.org/drawingml/2006/main" xmlns:r="http://schemas.openxmlformats.org/officeDocument/2006/relationships" xmlns:p="http://schemas.openxmlformats.org/presentationml/2006/main">
+  <p:cSld>
+    <p:spTree>
+      <p:nvGrpSpPr>
+        <p:cNvPr id="1" name=""/>
+        <p:cNvGrpSpPr/>
+        <p:nvPr/>
+      </p:nvGrpSpPr>
+      <p:grpSpPr>
+        <a:xfrm>
+          <a:off x="0" y="0"/>
+          <a:ext cx="0" cy="0"/>
+          <a:chOff x="0" y="0"/>
+          <a:chExt cx="0" cy="0"/>
+        </a:xfrm>
+      </p:grpSpPr>
+      <p:sp>
+        <p:nvSpPr>
+          <p:cNvPr id="2" name="Title 1">
+            <a:extLst>
+              <a:ext uri="{FF2B5EF4-FFF2-40B4-BE49-F238E27FC236}">
                 <a16:creationId xmlns:a16="http://schemas.microsoft.com/office/drawing/2014/main" id="{BE77DA42-6DE8-4B05-BC91-4B55E66154B2}"/>
               </a:ext>
             </a:extLst>
@@ -5225,104 +5405,6 @@
     <p:extLst>
       <p:ext uri="{BB962C8B-B14F-4D97-AF65-F5344CB8AC3E}">
         <p14:creationId xmlns:p14="http://schemas.microsoft.com/office/powerpoint/2010/main" val="1491145721"/>
-      </p:ext>
-    </p:extLst>
-  </p:cSld>
-  <p:clrMapOvr>
-    <a:masterClrMapping/>
-  </p:clrMapOvr>
-</p:sld>
-</file>
-
-<file path=ppt/slides/slide6.xml><?xml version="1.0" encoding="utf-8"?>
-<p:sld xmlns:a="http://schemas.openxmlformats.org/drawingml/2006/main" xmlns:r="http://schemas.openxmlformats.org/officeDocument/2006/relationships" xmlns:p="http://schemas.openxmlformats.org/presentationml/2006/main">
-  <p:cSld>
-    <p:spTree>
-      <p:nvGrpSpPr>
-        <p:cNvPr id="1" name=""/>
-        <p:cNvGrpSpPr/>
-        <p:nvPr/>
-      </p:nvGrpSpPr>
-      <p:grpSpPr>
-        <a:xfrm>
-          <a:off x="0" y="0"/>
-          <a:ext cx="0" cy="0"/>
-          <a:chOff x="0" y="0"/>
-          <a:chExt cx="0" cy="0"/>
-        </a:xfrm>
-      </p:grpSpPr>
-      <p:sp>
-        <p:nvSpPr>
-          <p:cNvPr id="2" name="Title 1">
-            <a:extLst>
-              <a:ext uri="{FF2B5EF4-FFF2-40B4-BE49-F238E27FC236}">
-                <a16:creationId xmlns:a16="http://schemas.microsoft.com/office/drawing/2014/main" id="{E75DE818-2EB6-4D38-BBB5-3DB3E78ADAE6}"/>
-              </a:ext>
-            </a:extLst>
-          </p:cNvPr>
-          <p:cNvSpPr>
-            <a:spLocks noGrp="1"/>
-          </p:cNvSpPr>
-          <p:nvPr>
-            <p:ph type="title"/>
-          </p:nvPr>
-        </p:nvSpPr>
-        <p:spPr/>
-        <p:txBody>
-          <a:bodyPr/>
-          <a:lstStyle/>
-          <a:p>
-            <a:r>
-              <a:rPr lang="en-US" dirty="0"/>
-              <a:t>Monocular perception</a:t>
-            </a:r>
-          </a:p>
-        </p:txBody>
-      </p:sp>
-      <p:sp>
-        <p:nvSpPr>
-          <p:cNvPr id="3" name="Content Placeholder 2">
-            <a:extLst>
-              <a:ext uri="{FF2B5EF4-FFF2-40B4-BE49-F238E27FC236}">
-                <a16:creationId xmlns:a16="http://schemas.microsoft.com/office/drawing/2014/main" id="{467A66D3-EA75-4F89-8B32-A4DFF6BB873B}"/>
-              </a:ext>
-            </a:extLst>
-          </p:cNvPr>
-          <p:cNvSpPr>
-            <a:spLocks noGrp="1"/>
-          </p:cNvSpPr>
-          <p:nvPr>
-            <p:ph idx="1"/>
-          </p:nvPr>
-        </p:nvSpPr>
-        <p:spPr/>
-        <p:txBody>
-          <a:bodyPr/>
-          <a:lstStyle/>
-          <a:p>
-            <a:r>
-              <a:rPr lang="en-US" dirty="0"/>
-              <a:t>In principal it works by comparing relative objects visible size based on some known or assumed size</a:t>
-            </a:r>
-          </a:p>
-          <a:p>
-            <a:r>
-              <a:rPr lang="en-US" dirty="0"/>
-              <a:t>The closer an object the larger it is on the retina</a:t>
-            </a:r>
-          </a:p>
-          <a:p>
-            <a:r>
-              <a:rPr lang="en-US" dirty="0"/>
-              <a:t>Shape and texture can be </a:t>
-            </a:r>
-          </a:p>
-        </p:txBody>
-      </p:sp>
-    </p:spTree>
-    <p:extLst>
-      <p:ext uri="{BB962C8B-B14F-4D97-AF65-F5344CB8AC3E}">
-        <p14:creationId xmlns:p14="http://schemas.microsoft.com/office/powerpoint/2010/main" val="1588635007"/>
       </p:ext>
     </p:extLst>
   </p:cSld>
